--- a/schema.pptx
+++ b/schema.pptx
@@ -270,7 +270,7 @@
             <a:fld id="{01186980-113B-4F7E-8236-53EB954081C0}" type="datetimeFigureOut">
               <a:rPr lang="ko-KR" altLang="en-US" smtClean="0"/>
               <a:pPr/>
-              <a:t>2018-03-30</a:t>
+              <a:t>2018-04-13</a:t>
             </a:fld>
             <a:endParaRPr lang="ko-KR" altLang="en-US"/>
           </a:p>
@@ -442,7 +442,7 @@
             <a:fld id="{01186980-113B-4F7E-8236-53EB954081C0}" type="datetimeFigureOut">
               <a:rPr lang="ko-KR" altLang="en-US" smtClean="0"/>
               <a:pPr/>
-              <a:t>2018-03-30</a:t>
+              <a:t>2018-04-13</a:t>
             </a:fld>
             <a:endParaRPr lang="ko-KR" altLang="en-US"/>
           </a:p>
@@ -624,7 +624,7 @@
             <a:fld id="{01186980-113B-4F7E-8236-53EB954081C0}" type="datetimeFigureOut">
               <a:rPr lang="ko-KR" altLang="en-US" smtClean="0"/>
               <a:pPr/>
-              <a:t>2018-03-30</a:t>
+              <a:t>2018-04-13</a:t>
             </a:fld>
             <a:endParaRPr lang="ko-KR" altLang="en-US"/>
           </a:p>
@@ -796,7 +796,7 @@
             <a:fld id="{01186980-113B-4F7E-8236-53EB954081C0}" type="datetimeFigureOut">
               <a:rPr lang="ko-KR" altLang="en-US" smtClean="0"/>
               <a:pPr/>
-              <a:t>2018-03-30</a:t>
+              <a:t>2018-04-13</a:t>
             </a:fld>
             <a:endParaRPr lang="ko-KR" altLang="en-US"/>
           </a:p>
@@ -1044,7 +1044,7 @@
             <a:fld id="{01186980-113B-4F7E-8236-53EB954081C0}" type="datetimeFigureOut">
               <a:rPr lang="ko-KR" altLang="en-US" smtClean="0"/>
               <a:pPr/>
-              <a:t>2018-03-30</a:t>
+              <a:t>2018-04-13</a:t>
             </a:fld>
             <a:endParaRPr lang="ko-KR" altLang="en-US"/>
           </a:p>
@@ -1278,7 +1278,7 @@
             <a:fld id="{01186980-113B-4F7E-8236-53EB954081C0}" type="datetimeFigureOut">
               <a:rPr lang="ko-KR" altLang="en-US" smtClean="0"/>
               <a:pPr/>
-              <a:t>2018-03-30</a:t>
+              <a:t>2018-04-13</a:t>
             </a:fld>
             <a:endParaRPr lang="ko-KR" altLang="en-US"/>
           </a:p>
@@ -1647,7 +1647,7 @@
             <a:fld id="{01186980-113B-4F7E-8236-53EB954081C0}" type="datetimeFigureOut">
               <a:rPr lang="ko-KR" altLang="en-US" smtClean="0"/>
               <a:pPr/>
-              <a:t>2018-03-30</a:t>
+              <a:t>2018-04-13</a:t>
             </a:fld>
             <a:endParaRPr lang="ko-KR" altLang="en-US"/>
           </a:p>
@@ -1767,7 +1767,7 @@
             <a:fld id="{01186980-113B-4F7E-8236-53EB954081C0}" type="datetimeFigureOut">
               <a:rPr lang="ko-KR" altLang="en-US" smtClean="0"/>
               <a:pPr/>
-              <a:t>2018-03-30</a:t>
+              <a:t>2018-04-13</a:t>
             </a:fld>
             <a:endParaRPr lang="ko-KR" altLang="en-US"/>
           </a:p>
@@ -1864,7 +1864,7 @@
             <a:fld id="{01186980-113B-4F7E-8236-53EB954081C0}" type="datetimeFigureOut">
               <a:rPr lang="ko-KR" altLang="en-US" smtClean="0"/>
               <a:pPr/>
-              <a:t>2018-03-30</a:t>
+              <a:t>2018-04-13</a:t>
             </a:fld>
             <a:endParaRPr lang="ko-KR" altLang="en-US"/>
           </a:p>
@@ -2143,7 +2143,7 @@
             <a:fld id="{01186980-113B-4F7E-8236-53EB954081C0}" type="datetimeFigureOut">
               <a:rPr lang="ko-KR" altLang="en-US" smtClean="0"/>
               <a:pPr/>
-              <a:t>2018-03-30</a:t>
+              <a:t>2018-04-13</a:t>
             </a:fld>
             <a:endParaRPr lang="ko-KR" altLang="en-US"/>
           </a:p>
@@ -2402,7 +2402,7 @@
             <a:fld id="{01186980-113B-4F7E-8236-53EB954081C0}" type="datetimeFigureOut">
               <a:rPr lang="ko-KR" altLang="en-US" smtClean="0"/>
               <a:pPr/>
-              <a:t>2018-03-30</a:t>
+              <a:t>2018-04-13</a:t>
             </a:fld>
             <a:endParaRPr lang="ko-KR" altLang="en-US"/>
           </a:p>
@@ -2617,7 +2617,7 @@
             <a:fld id="{01186980-113B-4F7E-8236-53EB954081C0}" type="datetimeFigureOut">
               <a:rPr lang="ko-KR" altLang="en-US" smtClean="0"/>
               <a:pPr/>
-              <a:t>2018-03-30</a:t>
+              <a:t>2018-04-13</a:t>
             </a:fld>
             <a:endParaRPr lang="ko-KR" altLang="en-US"/>
           </a:p>
@@ -3219,21 +3219,15 @@
           </a:bodyPr>
           <a:lstStyle/>
           <a:p>
-            <a:pPr marL="228600" marR="0" lvl="0" indent="-228600" algn="l" defTabSz="914400" rtl="0" eaLnBrk="1" fontAlgn="auto" latinLnBrk="1" hangingPunct="1">
+            <a:pPr marL="228600" lvl="0" indent="-228600">
               <a:lnSpc>
                 <a:spcPct val="90000"/>
               </a:lnSpc>
               <a:spcBef>
                 <a:spcPts val="1000"/>
               </a:spcBef>
-              <a:spcAft>
-                <a:spcPts val="0"/>
-              </a:spcAft>
-              <a:buClrTx/>
-              <a:buSzTx/>
               <a:buFont typeface="Arial" panose="020B0604020202020204" pitchFamily="34" charset="0"/>
               <a:buChar char="•"/>
-              <a:tabLst/>
               <a:defRPr/>
             </a:pPr>
             <a:r>
@@ -3321,7 +3315,14 @@
                 <a:latin typeface="HY그래픽M" pitchFamily="18" charset="-127"/>
                 <a:ea typeface="HY그래픽M" pitchFamily="18" charset="-127"/>
               </a:rPr>
-              <a:t> 속한 값이어야 한다는 규정</a:t>
+              <a:t> 속한 값이어야 한다는 </a:t>
+            </a:r>
+            <a:r>
+              <a:rPr lang="ko-KR" altLang="en-US" sz="2600" dirty="0">
+                <a:latin typeface="HY그래픽M" pitchFamily="18" charset="-127"/>
+                <a:ea typeface="HY그래픽M" pitchFamily="18" charset="-127"/>
+              </a:rPr>
+              <a:t>제약조건</a:t>
             </a:r>
             <a:endParaRPr kumimoji="0" lang="en-US" altLang="ko-KR" sz="2600" b="0" i="0" u="none" strike="noStrike" kern="1200" cap="none" spc="0" normalizeH="0" baseline="0" noProof="0" dirty="0" smtClean="0">
               <a:ln>
@@ -4071,21 +4072,15 @@
           </a:bodyPr>
           <a:lstStyle/>
           <a:p>
-            <a:pPr marL="228600" marR="0" lvl="0" indent="-228600" algn="l" defTabSz="914400" rtl="0" eaLnBrk="1" fontAlgn="auto" latinLnBrk="1" hangingPunct="1">
+            <a:pPr marL="228600" lvl="0" indent="-228600">
               <a:lnSpc>
                 <a:spcPct val="90000"/>
               </a:lnSpc>
               <a:spcBef>
                 <a:spcPts val="1000"/>
               </a:spcBef>
-              <a:spcAft>
-                <a:spcPts val="0"/>
-              </a:spcAft>
-              <a:buClrTx/>
-              <a:buSzTx/>
               <a:buFont typeface="Arial" panose="020B0604020202020204" pitchFamily="34" charset="0"/>
               <a:buChar char="•"/>
-              <a:tabLst/>
               <a:defRPr/>
             </a:pPr>
             <a:r>
@@ -4171,7 +4166,14 @@
                 <a:latin typeface="HY그래픽M" pitchFamily="18" charset="-127"/>
                 <a:ea typeface="HY그래픽M" pitchFamily="18" charset="-127"/>
               </a:rPr>
-              <a:t>하나의 테이블에는 적어도 하나의 키가 존재해야 한다는 규정</a:t>
+              <a:t>하나의 테이블에는 적어도 하나의 키가 존재해야 한다는 </a:t>
+            </a:r>
+            <a:r>
+              <a:rPr lang="ko-KR" altLang="en-US" sz="2600" dirty="0">
+                <a:latin typeface="HY그래픽M" pitchFamily="18" charset="-127"/>
+                <a:ea typeface="HY그래픽M" pitchFamily="18" charset="-127"/>
+              </a:rPr>
+              <a:t>제약조건</a:t>
             </a:r>
             <a:endParaRPr kumimoji="0" lang="en-US" altLang="ko-KR" sz="2600" b="0" i="0" u="none" strike="noStrike" kern="1200" cap="none" spc="0" normalizeH="0" baseline="0" noProof="0" dirty="0" smtClean="0">
               <a:ln>
@@ -4921,21 +4923,15 @@
           </a:bodyPr>
           <a:lstStyle/>
           <a:p>
-            <a:pPr marL="228600" marR="0" lvl="0" indent="-228600" algn="l" defTabSz="914400" rtl="0" eaLnBrk="1" fontAlgn="auto" latinLnBrk="1" hangingPunct="1">
+            <a:pPr marL="228600" lvl="0" indent="-228600">
               <a:lnSpc>
                 <a:spcPct val="90000"/>
               </a:lnSpc>
               <a:spcBef>
                 <a:spcPts val="1000"/>
               </a:spcBef>
-              <a:spcAft>
-                <a:spcPts val="0"/>
-              </a:spcAft>
-              <a:buClrTx/>
-              <a:buSzTx/>
               <a:buFont typeface="Arial" panose="020B0604020202020204" pitchFamily="34" charset="0"/>
               <a:buChar char="•"/>
-              <a:tabLst/>
               <a:defRPr/>
             </a:pPr>
             <a:r>
@@ -5172,7 +5168,14 @@
                 <a:latin typeface="HY그래픽M" pitchFamily="18" charset="-127"/>
                 <a:ea typeface="HY그래픽M" pitchFamily="18" charset="-127"/>
               </a:rPr>
-              <a:t>대한 적절성 여부를 지정한 규정</a:t>
+              <a:t>대한 적절성 여부를 지정한 </a:t>
+            </a:r>
+            <a:r>
+              <a:rPr lang="ko-KR" altLang="en-US" sz="2600" dirty="0">
+                <a:latin typeface="HY그래픽M" pitchFamily="18" charset="-127"/>
+                <a:ea typeface="HY그래픽M" pitchFamily="18" charset="-127"/>
+              </a:rPr>
+              <a:t>제약조건</a:t>
             </a:r>
             <a:endParaRPr kumimoji="0" lang="en-US" altLang="ko-KR" sz="2600" b="0" i="0" u="none" strike="noStrike" kern="1200" cap="none" spc="0" normalizeH="0" baseline="0" noProof="0" dirty="0" smtClean="0">
               <a:ln>
@@ -8370,15 +8373,7 @@
             </a:pPr>
             <a:r>
               <a:rPr lang="en-US" altLang="ko-KR" sz="1600" b="1" dirty="0"/>
-              <a:t>Attribute </a:t>
-            </a:r>
-            <a:r>
-              <a:rPr lang="en-US" altLang="ko-KR" sz="1600" b="1" dirty="0"/>
-              <a:t>(Column) </a:t>
-            </a:r>
-            <a:r>
-              <a:rPr lang="en-US" altLang="ko-KR" sz="1600" b="1" dirty="0"/>
-              <a:t>: </a:t>
+              <a:t>Attribute (Column) : </a:t>
             </a:r>
             <a:r>
               <a:rPr lang="ko-KR" altLang="en-US" sz="1600" dirty="0" err="1" smtClean="0"/>
@@ -8426,23 +8421,7 @@
             </a:pPr>
             <a:r>
               <a:rPr lang="en-US" altLang="ko-KR" sz="1600" b="1" dirty="0"/>
-              <a:t>Instance (Row, </a:t>
-            </a:r>
-            <a:r>
-              <a:rPr lang="en-US" altLang="ko-KR" sz="1600" b="1" dirty="0"/>
-              <a:t>Tuple</a:t>
-            </a:r>
-            <a:r>
-              <a:rPr lang="en-US" altLang="ko-KR" sz="1600" b="1" dirty="0"/>
-              <a:t>, Record</a:t>
-            </a:r>
-            <a:r>
-              <a:rPr lang="en-US" altLang="ko-KR" sz="1600" b="1" dirty="0"/>
-              <a:t>)</a:t>
-            </a:r>
-            <a:r>
-              <a:rPr lang="en-US" altLang="ko-KR" sz="1600" b="1" dirty="0"/>
-              <a:t> :  </a:t>
+              <a:t>Instance (Row, Tuple, Record) :  </a:t>
             </a:r>
             <a:r>
               <a:rPr lang="ko-KR" altLang="en-US" sz="1600" dirty="0" err="1" smtClean="0"/>
@@ -8476,11 +8455,7 @@
             </a:pPr>
             <a:r>
               <a:rPr lang="en-US" altLang="ko-KR" sz="1600" b="1" dirty="0"/>
-              <a:t>Degree</a:t>
-            </a:r>
-            <a:r>
-              <a:rPr lang="en-US" altLang="ko-KR" sz="1600" b="1" dirty="0"/>
-              <a:t> (</a:t>
+              <a:t>Degree (</a:t>
             </a:r>
             <a:r>
               <a:rPr lang="ko-KR" altLang="en-US" sz="1600" b="1" dirty="0"/>
@@ -8514,11 +8489,7 @@
             </a:pPr>
             <a:r>
               <a:rPr lang="en-US" altLang="ko-KR" sz="1600" b="1" dirty="0"/>
-              <a:t>Cardinality </a:t>
-            </a:r>
-            <a:r>
-              <a:rPr lang="en-US" altLang="ko-KR" sz="1600" b="1" dirty="0"/>
-              <a:t>(</a:t>
+              <a:t>Cardinality (</a:t>
             </a:r>
             <a:r>
               <a:rPr lang="ko-KR" altLang="en-US" sz="1600" b="1" dirty="0" err="1"/>
@@ -8713,8 +8684,8 @@
         </p:nvSpPr>
         <p:spPr>
           <a:xfrm>
-            <a:off x="675503" y="1043030"/>
-            <a:ext cx="11359977" cy="4351338"/>
+            <a:off x="510747" y="1043030"/>
+            <a:ext cx="11524734" cy="4351338"/>
           </a:xfrm>
         </p:spPr>
         <p:txBody>
@@ -8756,7 +8727,14 @@
                 <a:latin typeface="HY그래픽M" pitchFamily="18" charset="-127"/>
                 <a:ea typeface="HY그래픽M" pitchFamily="18" charset="-127"/>
               </a:rPr>
-              <a:t> 만족하는 키 </a:t>
+              <a:t> 만족하는 </a:t>
+            </a:r>
+            <a:r>
+              <a:rPr lang="ko-KR" altLang="en-US" sz="2600" dirty="0" smtClean="0">
+                <a:latin typeface="HY그래픽M" pitchFamily="18" charset="-127"/>
+                <a:ea typeface="HY그래픽M" pitchFamily="18" charset="-127"/>
+              </a:rPr>
+              <a:t>속성 </a:t>
             </a:r>
             <a:r>
               <a:rPr lang="en-US" altLang="ko-KR" sz="2600" dirty="0" smtClean="0">
@@ -9507,8 +9485,8 @@
         </p:nvSpPr>
         <p:spPr>
           <a:xfrm>
-            <a:off x="838200" y="1043030"/>
-            <a:ext cx="10515600" cy="4351338"/>
+            <a:off x="838199" y="1043030"/>
+            <a:ext cx="10777151" cy="4351338"/>
           </a:xfrm>
         </p:spPr>
         <p:txBody>
@@ -9564,7 +9542,14 @@
                 <a:latin typeface="HY그래픽M" pitchFamily="18" charset="-127"/>
                 <a:ea typeface="HY그래픽M" pitchFamily="18" charset="-127"/>
               </a:rPr>
-              <a:t>후보 키 중에서 선정되어 사용되는 키</a:t>
+              <a:t>후보 키 중에서 선정되어 사용되는 </a:t>
+            </a:r>
+            <a:r>
+              <a:rPr lang="ko-KR" altLang="en-US" sz="2600" dirty="0" smtClean="0">
+                <a:latin typeface="HY그래픽M" pitchFamily="18" charset="-127"/>
+                <a:ea typeface="HY그래픽M" pitchFamily="18" charset="-127"/>
+              </a:rPr>
+              <a:t>속성</a:t>
             </a:r>
             <a:endParaRPr lang="en-US" altLang="ko-KR" sz="2600" dirty="0" smtClean="0">
               <a:latin typeface="HY그래픽M" pitchFamily="18" charset="-127"/>
@@ -9591,7 +9576,14 @@
                 <a:latin typeface="HY그래픽M" pitchFamily="18" charset="-127"/>
                 <a:ea typeface="HY그래픽M" pitchFamily="18" charset="-127"/>
               </a:rPr>
-              <a:t>후보 키가 둘 이상일 때 기본 키를 제외한 나머지</a:t>
+              <a:t>후보 키가 둘 이상일 때 기본 키를 제외한 </a:t>
+            </a:r>
+            <a:r>
+              <a:rPr lang="ko-KR" altLang="en-US" sz="2600" dirty="0" smtClean="0">
+                <a:latin typeface="HY그래픽M" pitchFamily="18" charset="-127"/>
+                <a:ea typeface="HY그래픽M" pitchFamily="18" charset="-127"/>
+              </a:rPr>
+              <a:t>나머지 속성</a:t>
             </a:r>
             <a:r>
               <a:rPr lang="en-US" altLang="ko-KR" sz="2600" dirty="0" smtClean="0">
@@ -10388,53 +10380,18 @@
               <a:t>한 </a:t>
             </a:r>
             <a:r>
-              <a:rPr lang="ko-KR" altLang="en-US" sz="2600" dirty="0" err="1">
+              <a:rPr lang="ko-KR" altLang="en-US" sz="2600" dirty="0" err="1" smtClean="0">
                 <a:latin typeface="HY그래픽M" pitchFamily="18" charset="-127"/>
                 <a:ea typeface="HY그래픽M" pitchFamily="18" charset="-127"/>
               </a:rPr>
               <a:t>릴레이션에서</a:t>
             </a:r>
             <a:r>
-              <a:rPr lang="ko-KR" altLang="en-US" sz="2600" dirty="0">
-                <a:latin typeface="HY그래픽M" pitchFamily="18" charset="-127"/>
-                <a:ea typeface="HY그래픽M" pitchFamily="18" charset="-127"/>
-              </a:rPr>
-              <a:t> 어떠한 열도 후보 키가 없을 </a:t>
-            </a:r>
-            <a:r>
               <a:rPr lang="ko-KR" altLang="en-US" sz="2600" dirty="0" smtClean="0">
                 <a:latin typeface="HY그래픽M" pitchFamily="18" charset="-127"/>
                 <a:ea typeface="HY그래픽M" pitchFamily="18" charset="-127"/>
               </a:rPr>
-              <a:t>때 </a:t>
-            </a:r>
-            <a:r>
-              <a:rPr lang="ko-KR" altLang="en-US" sz="2600" dirty="0">
-                <a:latin typeface="HY그래픽M" pitchFamily="18" charset="-127"/>
-                <a:ea typeface="HY그래픽M" pitchFamily="18" charset="-127"/>
-              </a:rPr>
-              <a:t>두 개 이상의 열을 복합할 </a:t>
-            </a:r>
-            <a:r>
-              <a:rPr lang="ko-KR" altLang="en-US" sz="2600" dirty="0" smtClean="0">
-                <a:latin typeface="HY그래픽M" pitchFamily="18" charset="-127"/>
-                <a:ea typeface="HY그래픽M" pitchFamily="18" charset="-127"/>
-              </a:rPr>
-              <a:t>경우 유일성을 만족하여 </a:t>
-            </a:r>
-            <a:r>
-              <a:rPr lang="ko-KR" altLang="en-US" sz="2600" dirty="0">
-                <a:latin typeface="HY그래픽M" pitchFamily="18" charset="-127"/>
-                <a:ea typeface="HY그래픽M" pitchFamily="18" charset="-127"/>
-              </a:rPr>
-              <a:t>후보 키가 </a:t>
-            </a:r>
-            <a:r>
-              <a:rPr lang="ko-KR" altLang="en-US" sz="2600" dirty="0" smtClean="0">
-                <a:latin typeface="HY그래픽M" pitchFamily="18" charset="-127"/>
-                <a:ea typeface="HY그래픽M" pitchFamily="18" charset="-127"/>
-              </a:rPr>
-              <a:t>되는 키</a:t>
+              <a:t> 한 행을 유일하게 식별 할 수 있는 속성들의 집합</a:t>
             </a:r>
             <a:endParaRPr lang="en-US" altLang="ko-KR" sz="2600" dirty="0" smtClean="0">
               <a:latin typeface="HY그래픽M" pitchFamily="18" charset="-127"/>
@@ -10447,7 +10404,14 @@
                 <a:latin typeface="HY그래픽M" pitchFamily="18" charset="-127"/>
                 <a:ea typeface="HY그래픽M" pitchFamily="18" charset="-127"/>
               </a:rPr>
-              <a:t>유일성은 만족하나</a:t>
+              <a:t>유일성은 </a:t>
+            </a:r>
+            <a:r>
+              <a:rPr lang="ko-KR" altLang="en-US" sz="2600" dirty="0" smtClean="0">
+                <a:latin typeface="HY그래픽M" pitchFamily="18" charset="-127"/>
+                <a:ea typeface="HY그래픽M" pitchFamily="18" charset="-127"/>
+              </a:rPr>
+              <a:t>만족하나</a:t>
             </a:r>
             <a:r>
               <a:rPr lang="en-US" altLang="ko-KR" sz="2600" dirty="0" smtClean="0">
@@ -10461,8 +10425,74 @@
                 <a:latin typeface="HY그래픽M" pitchFamily="18" charset="-127"/>
                 <a:ea typeface="HY그래픽M" pitchFamily="18" charset="-127"/>
               </a:rPr>
-              <a:t>최소성은 만족하지 않음</a:t>
-            </a:r>
+              <a:t>최소성은 만족하지 </a:t>
+            </a:r>
+            <a:r>
+              <a:rPr lang="ko-KR" altLang="en-US" sz="2600" dirty="0" smtClean="0">
+                <a:latin typeface="HY그래픽M" pitchFamily="18" charset="-127"/>
+                <a:ea typeface="HY그래픽M" pitchFamily="18" charset="-127"/>
+              </a:rPr>
+              <a:t>않음</a:t>
+            </a:r>
+            <a:endParaRPr lang="en-US" altLang="ko-KR" sz="2600" dirty="0" smtClean="0">
+              <a:latin typeface="HY그래픽M" pitchFamily="18" charset="-127"/>
+              <a:ea typeface="HY그래픽M" pitchFamily="18" charset="-127"/>
+            </a:endParaRPr>
+          </a:p>
+          <a:p>
+            <a:r>
+              <a:rPr lang="ko-KR" altLang="en-US" sz="2600" dirty="0" err="1" smtClean="0">
+                <a:latin typeface="HY그래픽M" pitchFamily="18" charset="-127"/>
+                <a:ea typeface="HY그래픽M" pitchFamily="18" charset="-127"/>
+              </a:rPr>
+              <a:t>슈퍼키</a:t>
+            </a:r>
+            <a:r>
+              <a:rPr lang="ko-KR" altLang="en-US" sz="2600" dirty="0" smtClean="0">
+                <a:latin typeface="HY그래픽M" pitchFamily="18" charset="-127"/>
+                <a:ea typeface="HY그래픽M" pitchFamily="18" charset="-127"/>
+              </a:rPr>
+              <a:t> 중 </a:t>
+            </a:r>
+            <a:r>
+              <a:rPr lang="ko-KR" altLang="en-US" sz="2600" dirty="0" err="1" smtClean="0">
+                <a:latin typeface="HY그래픽M" pitchFamily="18" charset="-127"/>
+                <a:ea typeface="HY그래픽M" pitchFamily="18" charset="-127"/>
+              </a:rPr>
+              <a:t>최소성</a:t>
+            </a:r>
+            <a:r>
+              <a:rPr lang="ko-KR" altLang="en-US" sz="2600" dirty="0" smtClean="0">
+                <a:latin typeface="HY그래픽M" pitchFamily="18" charset="-127"/>
+                <a:ea typeface="HY그래픽M" pitchFamily="18" charset="-127"/>
+              </a:rPr>
+              <a:t> 까지 만족하는 속성을 </a:t>
+            </a:r>
+            <a:r>
+              <a:rPr lang="ko-KR" altLang="en-US" sz="2600" dirty="0" err="1" smtClean="0">
+                <a:latin typeface="HY그래픽M" pitchFamily="18" charset="-127"/>
+                <a:ea typeface="HY그래픽M" pitchFamily="18" charset="-127"/>
+              </a:rPr>
+              <a:t>후보키라</a:t>
+            </a:r>
+            <a:r>
+              <a:rPr lang="ko-KR" altLang="en-US" sz="2600" dirty="0" smtClean="0">
+                <a:latin typeface="HY그래픽M" pitchFamily="18" charset="-127"/>
+                <a:ea typeface="HY그래픽M" pitchFamily="18" charset="-127"/>
+              </a:rPr>
+              <a:t> 한다</a:t>
+            </a:r>
+            <a:r>
+              <a:rPr lang="en-US" altLang="ko-KR" sz="2600" dirty="0" smtClean="0">
+                <a:latin typeface="HY그래픽M" pitchFamily="18" charset="-127"/>
+                <a:ea typeface="HY그래픽M" pitchFamily="18" charset="-127"/>
+              </a:rPr>
+              <a:t>. </a:t>
+            </a:r>
+            <a:endParaRPr lang="ko-KR" altLang="en-US" sz="2600" dirty="0" smtClean="0">
+              <a:latin typeface="HY그래픽M" pitchFamily="18" charset="-127"/>
+              <a:ea typeface="HY그래픽M" pitchFamily="18" charset="-127"/>
+            </a:endParaRPr>
           </a:p>
         </p:txBody>
       </p:sp>
@@ -10789,56 +10819,42 @@
                 <a:latin typeface="HY그래픽M" pitchFamily="18" charset="-127"/>
                 <a:ea typeface="HY그래픽M" pitchFamily="18" charset="-127"/>
               </a:rPr>
-              <a:t>한 </a:t>
+              <a:t>다른 </a:t>
             </a:r>
             <a:r>
               <a:rPr lang="ko-KR" altLang="en-US" dirty="0" err="1" smtClean="0">
                 <a:latin typeface="HY그래픽M" pitchFamily="18" charset="-127"/>
                 <a:ea typeface="HY그래픽M" pitchFamily="18" charset="-127"/>
               </a:rPr>
-              <a:t>릴레이션에</a:t>
+              <a:t>릴레이션의</a:t>
             </a:r>
             <a:r>
               <a:rPr lang="ko-KR" altLang="en-US" dirty="0" smtClean="0">
                 <a:latin typeface="HY그래픽M" pitchFamily="18" charset="-127"/>
                 <a:ea typeface="HY그래픽M" pitchFamily="18" charset="-127"/>
               </a:rPr>
-              <a:t> 속한 속성</a:t>
+              <a:t> </a:t>
+            </a:r>
+            <a:r>
+              <a:rPr lang="ko-KR" altLang="en-US" dirty="0" err="1" smtClean="0">
+                <a:latin typeface="HY그래픽M" pitchFamily="18" charset="-127"/>
+                <a:ea typeface="HY그래픽M" pitchFamily="18" charset="-127"/>
+              </a:rPr>
+              <a:t>기본키를</a:t>
+            </a:r>
+            <a:r>
+              <a:rPr lang="ko-KR" altLang="en-US" dirty="0" smtClean="0">
+                <a:latin typeface="HY그래픽M" pitchFamily="18" charset="-127"/>
+                <a:ea typeface="HY그래픽M" pitchFamily="18" charset="-127"/>
+              </a:rPr>
+              <a:t> 참조하는 속성 또는 속성들의 집합</a:t>
             </a:r>
             <a:r>
               <a:rPr lang="en-US" altLang="ko-KR" dirty="0" smtClean="0">
                 <a:latin typeface="HY그래픽M" pitchFamily="18" charset="-127"/>
                 <a:ea typeface="HY그래픽M" pitchFamily="18" charset="-127"/>
               </a:rPr>
-              <a:t>, </a:t>
-            </a:r>
-            <a:r>
-              <a:rPr lang="ko-KR" altLang="en-US" dirty="0" err="1" smtClean="0">
-                <a:latin typeface="HY그래픽M" pitchFamily="18" charset="-127"/>
-                <a:ea typeface="HY그래픽M" pitchFamily="18" charset="-127"/>
-              </a:rPr>
-              <a:t>외래키가</a:t>
-            </a:r>
-            <a:r>
-              <a:rPr lang="ko-KR" altLang="en-US" dirty="0" smtClean="0">
-                <a:latin typeface="HY그래픽M" pitchFamily="18" charset="-127"/>
-                <a:ea typeface="HY그래픽M" pitchFamily="18" charset="-127"/>
-              </a:rPr>
-              <a:t> 다른 </a:t>
-            </a:r>
-            <a:r>
-              <a:rPr lang="ko-KR" altLang="en-US" dirty="0" err="1" smtClean="0">
-                <a:latin typeface="HY그래픽M" pitchFamily="18" charset="-127"/>
-                <a:ea typeface="HY그래픽M" pitchFamily="18" charset="-127"/>
-              </a:rPr>
-              <a:t>릴레이션의</a:t>
-            </a:r>
-            <a:r>
-              <a:rPr lang="ko-KR" altLang="en-US" dirty="0" smtClean="0">
-                <a:latin typeface="HY그래픽M" pitchFamily="18" charset="-127"/>
-                <a:ea typeface="HY그래픽M" pitchFamily="18" charset="-127"/>
-              </a:rPr>
-              <a:t> 기본 키 일 때 그 속성 키를 외래 키 라고 함</a:t>
+              <a:t>.</a:t>
             </a:r>
             <a:endParaRPr lang="ko-KR" altLang="en-US" dirty="0">
               <a:latin typeface="HY그래픽M" pitchFamily="18" charset="-127"/>
@@ -11627,7 +11643,14 @@
                 <a:latin typeface="HY그래픽M" pitchFamily="18" charset="-127"/>
                 <a:ea typeface="HY그래픽M" pitchFamily="18" charset="-127"/>
               </a:rPr>
-              <a:t>이 될수 없도록 하는 규정</a:t>
+              <a:t>이 될수 없도록 하는 </a:t>
+            </a:r>
+            <a:r>
+              <a:rPr lang="ko-KR" altLang="en-US" sz="2600" dirty="0" smtClean="0">
+                <a:latin typeface="HY그래픽M" pitchFamily="18" charset="-127"/>
+                <a:ea typeface="HY그래픽M" pitchFamily="18" charset="-127"/>
+              </a:rPr>
+              <a:t>제약조건</a:t>
             </a:r>
             <a:r>
               <a:rPr lang="en-US" altLang="ko-KR" sz="2600" dirty="0" smtClean="0">
@@ -11636,6 +11659,10 @@
               </a:rPr>
               <a:t> </a:t>
             </a:r>
+            <a:endParaRPr lang="en-US" altLang="ko-KR" sz="2600" dirty="0" smtClean="0">
+              <a:latin typeface="HY그래픽M" pitchFamily="18" charset="-127"/>
+              <a:ea typeface="HY그래픽M" pitchFamily="18" charset="-127"/>
+            </a:endParaRPr>
           </a:p>
         </p:txBody>
       </p:sp>
@@ -12371,21 +12398,15 @@
           </a:bodyPr>
           <a:lstStyle/>
           <a:p>
-            <a:pPr marL="228600" marR="0" lvl="0" indent="-228600" algn="l" defTabSz="914400" rtl="0" eaLnBrk="1" fontAlgn="auto" latinLnBrk="1" hangingPunct="1">
+            <a:pPr marL="228600" lvl="0" indent="-228600">
               <a:lnSpc>
                 <a:spcPct val="90000"/>
               </a:lnSpc>
               <a:spcBef>
                 <a:spcPts val="1000"/>
               </a:spcBef>
-              <a:spcAft>
-                <a:spcPts val="0"/>
-              </a:spcAft>
-              <a:buClrTx/>
-              <a:buSzTx/>
               <a:buFont typeface="Arial" panose="020B0604020202020204" pitchFamily="34" charset="0"/>
               <a:buChar char="•"/>
-              <a:tabLst/>
               <a:defRPr/>
             </a:pPr>
             <a:r>
@@ -12546,7 +12567,14 @@
                 <a:latin typeface="HY그래픽M" pitchFamily="18" charset="-127"/>
                 <a:ea typeface="HY그래픽M" pitchFamily="18" charset="-127"/>
               </a:rPr>
-              <a:t> 갖는 값들이 서로 달라야 한다는 규정</a:t>
+              <a:t> 갖는 값들이 서로 달라야 한다는 </a:t>
+            </a:r>
+            <a:r>
+              <a:rPr lang="ko-KR" altLang="en-US" sz="2600" dirty="0">
+                <a:latin typeface="HY그래픽M" pitchFamily="18" charset="-127"/>
+                <a:ea typeface="HY그래픽M" pitchFamily="18" charset="-127"/>
+              </a:rPr>
+              <a:t>제약조건</a:t>
             </a:r>
             <a:endParaRPr kumimoji="0" lang="en-US" altLang="ko-KR" sz="2600" b="0" i="0" u="none" strike="noStrike" kern="1200" cap="none" spc="0" normalizeH="0" baseline="0" noProof="0" dirty="0" smtClean="0">
               <a:ln>
